--- a/space_time_network user guide.pptx
+++ b/space_time_network user guide.pptx
@@ -231,7 +231,7 @@
             <a:fld id="{F075C004-A9D4-4858-99EC-F4CCE56E2FEF}" type="datetimeFigureOut">
               <a:rPr lang="zh-CN" altLang="en-US" smtClean="0"/>
               <a:pPr/>
-              <a:t>2020/5/27</a:t>
+              <a:t>2020/5/28</a:t>
             </a:fld>
             <a:endParaRPr lang="zh-CN" altLang="en-US"/>
           </a:p>
@@ -2393,7 +2393,7 @@
             <a:fld id="{5E137E13-6931-4ECB-BB5B-849FB74182C0}" type="datetimeFigureOut">
               <a:rPr lang="zh-CN" altLang="en-US" smtClean="0"/>
               <a:pPr/>
-              <a:t>2020/5/27</a:t>
+              <a:t>2020/5/28</a:t>
             </a:fld>
             <a:endParaRPr lang="zh-CN" altLang="en-US"/>
           </a:p>
@@ -2611,7 +2611,7 @@
             <a:fld id="{5E137E13-6931-4ECB-BB5B-849FB74182C0}" type="datetimeFigureOut">
               <a:rPr lang="zh-CN" altLang="en-US" smtClean="0"/>
               <a:pPr/>
-              <a:t>2020/5/27</a:t>
+              <a:t>2020/5/28</a:t>
             </a:fld>
             <a:endParaRPr lang="zh-CN" altLang="en-US"/>
           </a:p>
@@ -2829,7 +2829,7 @@
             <a:fld id="{5E137E13-6931-4ECB-BB5B-849FB74182C0}" type="datetimeFigureOut">
               <a:rPr lang="zh-CN" altLang="en-US" smtClean="0"/>
               <a:pPr/>
-              <a:t>2020/5/27</a:t>
+              <a:t>2020/5/28</a:t>
             </a:fld>
             <a:endParaRPr lang="zh-CN" altLang="en-US"/>
           </a:p>
@@ -3575,7 +3575,7 @@
             <a:fld id="{5E137E13-6931-4ECB-BB5B-849FB74182C0}" type="datetimeFigureOut">
               <a:rPr lang="zh-CN" altLang="en-US" smtClean="0"/>
               <a:pPr/>
-              <a:t>2020/5/27</a:t>
+              <a:t>2020/5/28</a:t>
             </a:fld>
             <a:endParaRPr lang="zh-CN" altLang="en-US"/>
           </a:p>
@@ -3860,7 +3860,7 @@
             <a:fld id="{5E137E13-6931-4ECB-BB5B-849FB74182C0}" type="datetimeFigureOut">
               <a:rPr lang="zh-CN" altLang="en-US" smtClean="0"/>
               <a:pPr/>
-              <a:t>2020/5/27</a:t>
+              <a:t>2020/5/28</a:t>
             </a:fld>
             <a:endParaRPr lang="zh-CN" altLang="en-US"/>
           </a:p>
@@ -4193,7 +4193,7 @@
             <a:fld id="{5E137E13-6931-4ECB-BB5B-849FB74182C0}" type="datetimeFigureOut">
               <a:rPr lang="zh-CN" altLang="en-US" smtClean="0"/>
               <a:pPr/>
-              <a:t>2020/5/27</a:t>
+              <a:t>2020/5/28</a:t>
             </a:fld>
             <a:endParaRPr lang="zh-CN" altLang="en-US"/>
           </a:p>
@@ -4666,7 +4666,7 @@
             <a:fld id="{5E137E13-6931-4ECB-BB5B-849FB74182C0}" type="datetimeFigureOut">
               <a:rPr lang="zh-CN" altLang="en-US" smtClean="0"/>
               <a:pPr/>
-              <a:t>2020/5/27</a:t>
+              <a:t>2020/5/28</a:t>
             </a:fld>
             <a:endParaRPr lang="zh-CN" altLang="en-US"/>
           </a:p>
@@ -4825,7 +4825,7 @@
             <a:fld id="{5E137E13-6931-4ECB-BB5B-849FB74182C0}" type="datetimeFigureOut">
               <a:rPr lang="zh-CN" altLang="en-US" smtClean="0"/>
               <a:pPr/>
-              <a:t>2020/5/27</a:t>
+              <a:t>2020/5/28</a:t>
             </a:fld>
             <a:endParaRPr lang="zh-CN" altLang="en-US"/>
           </a:p>
@@ -4954,7 +4954,7 @@
             <a:fld id="{5E137E13-6931-4ECB-BB5B-849FB74182C0}" type="datetimeFigureOut">
               <a:rPr lang="zh-CN" altLang="en-US" smtClean="0"/>
               <a:pPr/>
-              <a:t>2020/5/27</a:t>
+              <a:t>2020/5/28</a:t>
             </a:fld>
             <a:endParaRPr lang="zh-CN" altLang="en-US"/>
           </a:p>
@@ -5272,7 +5272,7 @@
             <a:fld id="{5E137E13-6931-4ECB-BB5B-849FB74182C0}" type="datetimeFigureOut">
               <a:rPr lang="zh-CN" altLang="en-US" smtClean="0"/>
               <a:pPr/>
-              <a:t>2020/5/27</a:t>
+              <a:t>2020/5/28</a:t>
             </a:fld>
             <a:endParaRPr lang="zh-CN" altLang="en-US"/>
           </a:p>
@@ -5567,7 +5567,7 @@
             <a:fld id="{5E137E13-6931-4ECB-BB5B-849FB74182C0}" type="datetimeFigureOut">
               <a:rPr lang="zh-CN" altLang="en-US" smtClean="0"/>
               <a:pPr/>
-              <a:t>2020/5/27</a:t>
+              <a:t>2020/5/28</a:t>
             </a:fld>
             <a:endParaRPr lang="zh-CN" altLang="en-US"/>
           </a:p>
@@ -9267,7 +9267,7 @@
         <p:spPr>
           <a:xfrm>
             <a:off x="647610" y="681016"/>
-            <a:ext cx="7812821" cy="3970318"/>
+            <a:ext cx="7812821" cy="3693319"/>
           </a:xfrm>
           <a:prstGeom prst="rect">
             <a:avLst/>
@@ -9300,7 +9300,7 @@
           <a:p>
             <a:r>
               <a:rPr lang="zh-CN" altLang="en-US" dirty="0"/>
-              <a:t>②脚本求解思想：将列车按照列车等级排序，利用最短路算法，优先铺画高等级列车的运行线，并在铺画下一列车运行线时，将已铺画的运行线以及与已运行线所冲突的运行线删除，再利用最短路算法求解，因此该脚本暂不能保证所铺画运行图的最优性</a:t>
+              <a:t>②脚本求解思想：将列车按照列车等级排序，利用最短路算法，优先铺画高等级列车的运行线，并在铺画下一列车运行线时，将已铺画的运行线以及与已铺画运行线所冲突的运行线删除，再利用最短路算法求解，因此该脚本暂不能保证所铺画运行图的系统最优性</a:t>
             </a:r>
             <a:r>
               <a:rPr lang="en-US" altLang="zh-CN" dirty="0"/>
@@ -9330,7 +9330,23 @@
           <a:p>
             <a:r>
               <a:rPr lang="zh-CN" altLang="en-US" dirty="0"/>
-              <a:t>④脚本铺画运行线的铺画目标是尽可能早地到达终点站，因此各列车在各站的出发时间是按照最早出发时间铺画，可能导致该列车在途时间非最短在途时间，但这样可以最大程度利用区间和车站的通过能力。</a:t>
+              <a:t>④脚本铺画运行线的铺画目标是尽可能早地</a:t>
+            </a:r>
+            <a:r>
+              <a:rPr lang="zh-CN" altLang="en-US"/>
+              <a:t>到达终点站而非</a:t>
+            </a:r>
+            <a:r>
+              <a:rPr lang="zh-CN" altLang="en-US" dirty="0"/>
+              <a:t>最短在途</a:t>
+            </a:r>
+            <a:r>
+              <a:rPr lang="zh-CN" altLang="en-US"/>
+              <a:t>时间，这样</a:t>
+            </a:r>
+            <a:r>
+              <a:rPr lang="zh-CN" altLang="en-US" dirty="0"/>
+              <a:t>可以最大程度利用区间和车站的通过能力。</a:t>
             </a:r>
             <a:endParaRPr lang="en-US" altLang="zh-CN" dirty="0"/>
           </a:p>

--- a/space_time_network user guide.pptx
+++ b/space_time_network user guide.pptx
@@ -231,7 +231,7 @@
             <a:fld id="{F075C004-A9D4-4858-99EC-F4CCE56E2FEF}" type="datetimeFigureOut">
               <a:rPr lang="zh-CN" altLang="en-US" smtClean="0"/>
               <a:pPr/>
-              <a:t>2020/5/28</a:t>
+              <a:t>2020/6/8</a:t>
             </a:fld>
             <a:endParaRPr lang="zh-CN" altLang="en-US"/>
           </a:p>
@@ -2393,7 +2393,7 @@
             <a:fld id="{5E137E13-6931-4ECB-BB5B-849FB74182C0}" type="datetimeFigureOut">
               <a:rPr lang="zh-CN" altLang="en-US" smtClean="0"/>
               <a:pPr/>
-              <a:t>2020/5/28</a:t>
+              <a:t>2020/6/8</a:t>
             </a:fld>
             <a:endParaRPr lang="zh-CN" altLang="en-US"/>
           </a:p>
@@ -2611,7 +2611,7 @@
             <a:fld id="{5E137E13-6931-4ECB-BB5B-849FB74182C0}" type="datetimeFigureOut">
               <a:rPr lang="zh-CN" altLang="en-US" smtClean="0"/>
               <a:pPr/>
-              <a:t>2020/5/28</a:t>
+              <a:t>2020/6/8</a:t>
             </a:fld>
             <a:endParaRPr lang="zh-CN" altLang="en-US"/>
           </a:p>
@@ -2829,7 +2829,7 @@
             <a:fld id="{5E137E13-6931-4ECB-BB5B-849FB74182C0}" type="datetimeFigureOut">
               <a:rPr lang="zh-CN" altLang="en-US" smtClean="0"/>
               <a:pPr/>
-              <a:t>2020/5/28</a:t>
+              <a:t>2020/6/8</a:t>
             </a:fld>
             <a:endParaRPr lang="zh-CN" altLang="en-US"/>
           </a:p>
@@ -3575,7 +3575,7 @@
             <a:fld id="{5E137E13-6931-4ECB-BB5B-849FB74182C0}" type="datetimeFigureOut">
               <a:rPr lang="zh-CN" altLang="en-US" smtClean="0"/>
               <a:pPr/>
-              <a:t>2020/5/28</a:t>
+              <a:t>2020/6/8</a:t>
             </a:fld>
             <a:endParaRPr lang="zh-CN" altLang="en-US"/>
           </a:p>
@@ -3860,7 +3860,7 @@
             <a:fld id="{5E137E13-6931-4ECB-BB5B-849FB74182C0}" type="datetimeFigureOut">
               <a:rPr lang="zh-CN" altLang="en-US" smtClean="0"/>
               <a:pPr/>
-              <a:t>2020/5/28</a:t>
+              <a:t>2020/6/8</a:t>
             </a:fld>
             <a:endParaRPr lang="zh-CN" altLang="en-US"/>
           </a:p>
@@ -4193,7 +4193,7 @@
             <a:fld id="{5E137E13-6931-4ECB-BB5B-849FB74182C0}" type="datetimeFigureOut">
               <a:rPr lang="zh-CN" altLang="en-US" smtClean="0"/>
               <a:pPr/>
-              <a:t>2020/5/28</a:t>
+              <a:t>2020/6/8</a:t>
             </a:fld>
             <a:endParaRPr lang="zh-CN" altLang="en-US"/>
           </a:p>
@@ -4666,7 +4666,7 @@
             <a:fld id="{5E137E13-6931-4ECB-BB5B-849FB74182C0}" type="datetimeFigureOut">
               <a:rPr lang="zh-CN" altLang="en-US" smtClean="0"/>
               <a:pPr/>
-              <a:t>2020/5/28</a:t>
+              <a:t>2020/6/8</a:t>
             </a:fld>
             <a:endParaRPr lang="zh-CN" altLang="en-US"/>
           </a:p>
@@ -4825,7 +4825,7 @@
             <a:fld id="{5E137E13-6931-4ECB-BB5B-849FB74182C0}" type="datetimeFigureOut">
               <a:rPr lang="zh-CN" altLang="en-US" smtClean="0"/>
               <a:pPr/>
-              <a:t>2020/5/28</a:t>
+              <a:t>2020/6/8</a:t>
             </a:fld>
             <a:endParaRPr lang="zh-CN" altLang="en-US"/>
           </a:p>
@@ -4954,7 +4954,7 @@
             <a:fld id="{5E137E13-6931-4ECB-BB5B-849FB74182C0}" type="datetimeFigureOut">
               <a:rPr lang="zh-CN" altLang="en-US" smtClean="0"/>
               <a:pPr/>
-              <a:t>2020/5/28</a:t>
+              <a:t>2020/6/8</a:t>
             </a:fld>
             <a:endParaRPr lang="zh-CN" altLang="en-US"/>
           </a:p>
@@ -5272,7 +5272,7 @@
             <a:fld id="{5E137E13-6931-4ECB-BB5B-849FB74182C0}" type="datetimeFigureOut">
               <a:rPr lang="zh-CN" altLang="en-US" smtClean="0"/>
               <a:pPr/>
-              <a:t>2020/5/28</a:t>
+              <a:t>2020/6/8</a:t>
             </a:fld>
             <a:endParaRPr lang="zh-CN" altLang="en-US"/>
           </a:p>
@@ -5567,7 +5567,7 @@
             <a:fld id="{5E137E13-6931-4ECB-BB5B-849FB74182C0}" type="datetimeFigureOut">
               <a:rPr lang="zh-CN" altLang="en-US" smtClean="0"/>
               <a:pPr/>
-              <a:t>2020/5/28</a:t>
+              <a:t>2020/6/8</a:t>
             </a:fld>
             <a:endParaRPr lang="zh-CN" altLang="en-US"/>
           </a:p>
@@ -6915,7 +6915,7 @@
         <p:spPr>
           <a:xfrm>
             <a:off x="323528" y="703333"/>
-            <a:ext cx="7992888" cy="2462213"/>
+            <a:ext cx="7992888" cy="2031325"/>
           </a:xfrm>
           <a:prstGeom prst="rect">
             <a:avLst/>
@@ -6977,68 +6977,74 @@
             </a:r>
             <a:r>
               <a:rPr lang="zh-CN" altLang="en-US" sz="1400" dirty="0"/>
-              <a:t>发到、 </a:t>
-            </a:r>
+              <a:t>发到，每个车站在该表格中占用一行</a:t>
+            </a:r>
+            <a:r>
+              <a:rPr lang="en-US" altLang="zh-CN" sz="1400" dirty="0"/>
+              <a:t>5</a:t>
+            </a:r>
+            <a:r>
+              <a:rPr lang="zh-CN" altLang="en-US" sz="1400" dirty="0"/>
+              <a:t>格，各间隔时间定义为：</a:t>
+            </a:r>
+            <a:endParaRPr lang="en-US" altLang="zh-CN" sz="1400" dirty="0"/>
+          </a:p>
+          <a:p>
             <a:r>
               <a:rPr lang="en-US" altLang="zh-CN" sz="1400" dirty="0"/>
               <a:t>τ</a:t>
             </a:r>
             <a:r>
-              <a:rPr lang="zh-CN" altLang="en-US" sz="1400" dirty="0"/>
-              <a:t>不通，每个车站在该表格中占用一行</a:t>
-            </a:r>
-            <a:r>
-              <a:rPr lang="en-US" altLang="zh-CN" sz="1400" dirty="0"/>
-              <a:t>6</a:t>
-            </a:r>
-            <a:r>
-              <a:rPr lang="zh-CN" altLang="en-US" sz="1400" dirty="0"/>
-              <a:t>格，各间隔时间定义为：</a:t>
-            </a:r>
-            <a:endParaRPr lang="en-US" altLang="zh-CN" sz="1400" dirty="0"/>
-          </a:p>
-          <a:p>
+              <a:rPr lang="zh-CN" altLang="zh-CN" sz="1400" baseline="-25000" dirty="0"/>
+              <a:t>不</a:t>
+            </a:r>
+            <a:r>
+              <a:rPr lang="zh-CN" altLang="zh-CN" sz="1400" dirty="0"/>
+              <a:t>：在单线区段，两个相对方向的列车在车站交会时，从某一方向的列车到达车站时 起，至相对方向列车到达或通过时止的最小间隔时间称</a:t>
+            </a:r>
             <a:r>
               <a:rPr lang="en-US" altLang="zh-CN" sz="1400" dirty="0"/>
               <a:t>τ</a:t>
             </a:r>
             <a:r>
-              <a:rPr lang="zh-CN" altLang="zh-CN" sz="1400" baseline="-25000" dirty="0"/>
-              <a:t>不</a:t>
-            </a:r>
-            <a:r>
               <a:rPr lang="zh-CN" altLang="zh-CN" sz="1400" dirty="0"/>
-              <a:t>：在单线区段，两个相对方向的列车在车站交会时，从某一方向的列车到达车站时 起，至相对方向列车到达或通过时止的最小间隔时间称</a:t>
-            </a:r>
+              <a:t>不 </a:t>
+            </a:r>
+          </a:p>
+          <a:p>
             <a:r>
               <a:rPr lang="en-US" altLang="zh-CN" sz="1400" dirty="0"/>
               <a:t>τ</a:t>
             </a:r>
             <a:r>
+              <a:rPr lang="zh-CN" altLang="zh-CN" sz="1400" baseline="-25000" dirty="0"/>
+              <a:t>会</a:t>
+            </a:r>
+            <a:r>
               <a:rPr lang="zh-CN" altLang="zh-CN" sz="1400" dirty="0"/>
-              <a:t>不 </a:t>
-            </a:r>
-          </a:p>
-          <a:p>
+              <a:t>：在单线区段，自某一方向列车到达或通过车站之时起，至由该站向同一区间发出 另一对向列车之时止的最小间隔时间，称为</a:t>
+            </a:r>
             <a:r>
               <a:rPr lang="en-US" altLang="zh-CN" sz="1400" dirty="0"/>
               <a:t>τ</a:t>
             </a:r>
             <a:r>
-              <a:rPr lang="zh-CN" altLang="zh-CN" sz="1400" baseline="-25000" dirty="0"/>
-              <a:t>会</a:t>
-            </a:r>
-            <a:r>
               <a:rPr lang="zh-CN" altLang="zh-CN" sz="1400" dirty="0"/>
-              <a:t>：在单线区段，自某一方向列车到达或通过车站之时起，至由该站向同一区间发出 另一对向列车之时止的最小间隔时间，称为</a:t>
-            </a:r>
+              <a:t>会 </a:t>
+            </a:r>
+          </a:p>
+          <a:p>
             <a:r>
               <a:rPr lang="en-US" altLang="zh-CN" sz="1400" dirty="0"/>
               <a:t>τ</a:t>
             </a:r>
             <a:r>
+              <a:rPr lang="zh-CN" altLang="zh-CN" sz="1400" baseline="-25000" dirty="0"/>
+              <a:t>连</a:t>
+            </a:r>
+            <a:r>
               <a:rPr lang="zh-CN" altLang="zh-CN" sz="1400" dirty="0"/>
-              <a:t>会 </a:t>
+              <a:t>：同方向列车连发间隔时间 </a:t>
             </a:r>
           </a:p>
           <a:p>
@@ -7048,11 +7054,11 @@
             </a:r>
             <a:r>
               <a:rPr lang="zh-CN" altLang="zh-CN" sz="1400" baseline="-25000" dirty="0"/>
-              <a:t>连</a:t>
+              <a:t>到发</a:t>
             </a:r>
             <a:r>
               <a:rPr lang="zh-CN" altLang="zh-CN" sz="1400" dirty="0"/>
-              <a:t>：同方向列车连发间隔时间 </a:t>
+              <a:t>：同方向列车不同时到发间隔时间 </a:t>
             </a:r>
           </a:p>
           <a:p>
@@ -7062,20 +7068,6 @@
             </a:r>
             <a:r>
               <a:rPr lang="zh-CN" altLang="zh-CN" sz="1400" baseline="-25000" dirty="0"/>
-              <a:t>到发</a:t>
-            </a:r>
-            <a:r>
-              <a:rPr lang="zh-CN" altLang="zh-CN" sz="1400" dirty="0"/>
-              <a:t>：同方向列车不同时到发间隔时间 </a:t>
-            </a:r>
-          </a:p>
-          <a:p>
-            <a:r>
-              <a:rPr lang="en-US" altLang="zh-CN" sz="1400" dirty="0"/>
-              <a:t>τ</a:t>
-            </a:r>
-            <a:r>
-              <a:rPr lang="zh-CN" altLang="zh-CN" sz="1400" baseline="-25000" dirty="0"/>
               <a:t>发到</a:t>
             </a:r>
             <a:r>
@@ -7083,62 +7075,36 @@
               <a:t>：同方向列车不同时发到间隔时间 </a:t>
             </a:r>
           </a:p>
-          <a:p>
-            <a:r>
-              <a:rPr lang="en-US" altLang="zh-CN" sz="1400" dirty="0"/>
-              <a:t>τ</a:t>
-            </a:r>
-            <a:r>
-              <a:rPr lang="zh-CN" altLang="zh-CN" sz="1400" baseline="-25000" dirty="0"/>
-              <a:t>不通</a:t>
-            </a:r>
-            <a:r>
-              <a:rPr lang="zh-CN" altLang="zh-CN" sz="1400" dirty="0"/>
-              <a:t>：相对方向列车不同时通过车站的间隔时间</a:t>
-            </a:r>
-          </a:p>
-          <a:p>
-            <a:endParaRPr lang="zh-CN" altLang="zh-CN" sz="1400" dirty="0"/>
-          </a:p>
         </p:txBody>
       </p:sp>
       <p:pic>
         <p:nvPicPr>
-          <p:cNvPr id="8" name="图片 7">
+          <p:cNvPr id="2" name="图片 1">
             <a:extLst>
               <a:ext uri="{FF2B5EF4-FFF2-40B4-BE49-F238E27FC236}">
-                <a16:creationId xmlns:a16="http://schemas.microsoft.com/office/drawing/2014/main" id="{A4463906-FC56-4268-AF90-BBEA13ECE86D}"/>
+                <a16:creationId xmlns:a16="http://schemas.microsoft.com/office/drawing/2014/main" id="{3BA4C873-DE1A-40BF-9A6B-4E0DFC4E4138}"/>
               </a:ext>
             </a:extLst>
           </p:cNvPr>
-          <p:cNvPicPr/>
+          <p:cNvPicPr>
+            <a:picLocks noChangeAspect="1"/>
+          </p:cNvPicPr>
           <p:nvPr/>
         </p:nvPicPr>
         <p:blipFill>
-          <a:blip r:embed="rId3">
-            <a:extLst>
-              <a:ext uri="{28A0092B-C50C-407E-A947-70E740481C1C}">
-                <a14:useLocalDpi xmlns:a14="http://schemas.microsoft.com/office/drawing/2010/main" val="0"/>
-              </a:ext>
-            </a:extLst>
-          </a:blip>
-          <a:srcRect/>
+          <a:blip r:embed="rId3"/>
           <a:stretch>
             <a:fillRect/>
           </a:stretch>
         </p:blipFill>
-        <p:spPr bwMode="auto">
-          <a:xfrm>
-            <a:off x="1835696" y="3075806"/>
-            <a:ext cx="5472608" cy="1800200"/>
-          </a:xfrm>
-          <a:prstGeom prst="rect">
-            <a:avLst/>
-          </a:prstGeom>
-          <a:noFill/>
-          <a:ln>
-            <a:noFill/>
-          </a:ln>
+        <p:spPr>
+          <a:xfrm>
+            <a:off x="1078792" y="2935697"/>
+            <a:ext cx="6986416" cy="1561480"/>
+          </a:xfrm>
+          <a:prstGeom prst="rect">
+            <a:avLst/>
+          </a:prstGeom>
         </p:spPr>
       </p:pic>
     </p:spTree>
